--- a/Battle of Neighbourhoods.pptx
+++ b/Battle of Neighbourhoods.pptx
@@ -6157,7 +6157,7 @@
                   <a:schemeClr val="bg1"/>
                 </a:solidFill>
               </a:rPr>
-              <a:t>In this section all the required information to make the apartment selection is consolidated in one map. The Map of Canberra with rental places, but station locations and cluster of venues.</a:t>
+              <a:t>In this section all the required information to make the apartment selection is consolidated in one map. The Map of Canberra with rental places, bus station locations and cluster of venues.</a:t>
             </a:r>
           </a:p>
           <a:p>
@@ -6475,7 +6475,7 @@
             <a:pPr algn="just"/>
             <a:r>
               <a:rPr lang="en-AU" dirty="0"/>
-              <a:t>I currently live in Melbourne and I have been offered a great opportunity to work for a leading Finance firm in Canberra. I am very excited and I want to use this opportunity to practice my learnings in Coursera in order to answer my key question, finding out an affordable and enjoyable place similar to mine now in Melbourne.</a:t>
+              <a:t>I currently live in Melbourne and I have been offered a great opportunity to work for a leading Finance firm in Canberra. I am very excited and I want to use this opportunity to practice my learnings from Coursera in order to answer my key question, finding out an affordable and enjoyable place similar to mine now in Melbourne.</a:t>
             </a:r>
           </a:p>
           <a:p>
